--- a/figures/超限季度.pptx
+++ b/figures/超限季度.pptx
@@ -465,16 +465,9 @@
     <c:showDLblsOverMax val="0"/>
   </c:chart>
   <c:spPr>
-    <a:solidFill>
-      <a:schemeClr val="bg1"/>
-    </a:solidFill>
+    <a:noFill/>
     <a:ln w="9525" cap="flat" cmpd="sng" algn="ctr">
-      <a:solidFill>
-        <a:schemeClr val="tx1">
-          <a:lumMod val="15000"/>
-          <a:lumOff val="85000"/>
-        </a:schemeClr>
-      </a:solidFill>
+      <a:noFill/>
       <a:round/>
     </a:ln>
     <a:effectLst/>
